--- a/Projektstrukturplan.pptx
+++ b/Projektstrukturplan.pptx
@@ -308,7 +308,7 @@
           <a:p>
             <a:fld id="{D763724C-E7A2-4A6D-A4BD-CDB6C1C03172}" type="datetimeFigureOut">
               <a:rPr lang="en-US" smtClean="0"/>
-              <a:t>6/14/2018</a:t>
+              <a:t>7/11/2018</a:t>
             </a:fld>
             <a:endParaRPr lang="en-US"/>
           </a:p>
@@ -473,7 +473,7 @@
           <a:p>
             <a:fld id="{D763724C-E7A2-4A6D-A4BD-CDB6C1C03172}" type="datetimeFigureOut">
               <a:rPr lang="en-US" smtClean="0"/>
-              <a:t>6/14/2018</a:t>
+              <a:t>7/11/2018</a:t>
             </a:fld>
             <a:endParaRPr lang="en-US"/>
           </a:p>
@@ -648,7 +648,7 @@
           <a:p>
             <a:fld id="{D763724C-E7A2-4A6D-A4BD-CDB6C1C03172}" type="datetimeFigureOut">
               <a:rPr lang="en-US" smtClean="0"/>
-              <a:t>6/14/2018</a:t>
+              <a:t>7/11/2018</a:t>
             </a:fld>
             <a:endParaRPr lang="en-US"/>
           </a:p>
@@ -813,7 +813,7 @@
           <a:p>
             <a:fld id="{D763724C-E7A2-4A6D-A4BD-CDB6C1C03172}" type="datetimeFigureOut">
               <a:rPr lang="en-US" smtClean="0"/>
-              <a:t>6/14/2018</a:t>
+              <a:t>7/11/2018</a:t>
             </a:fld>
             <a:endParaRPr lang="en-US"/>
           </a:p>
@@ -1054,7 +1054,7 @@
           <a:p>
             <a:fld id="{D763724C-E7A2-4A6D-A4BD-CDB6C1C03172}" type="datetimeFigureOut">
               <a:rPr lang="en-US" smtClean="0"/>
-              <a:t>6/14/2018</a:t>
+              <a:t>7/11/2018</a:t>
             </a:fld>
             <a:endParaRPr lang="en-US"/>
           </a:p>
@@ -1337,7 +1337,7 @@
           <a:p>
             <a:fld id="{D763724C-E7A2-4A6D-A4BD-CDB6C1C03172}" type="datetimeFigureOut">
               <a:rPr lang="en-US" smtClean="0"/>
-              <a:t>6/14/2018</a:t>
+              <a:t>7/11/2018</a:t>
             </a:fld>
             <a:endParaRPr lang="en-US"/>
           </a:p>
@@ -1754,7 +1754,7 @@
           <a:p>
             <a:fld id="{D763724C-E7A2-4A6D-A4BD-CDB6C1C03172}" type="datetimeFigureOut">
               <a:rPr lang="en-US" smtClean="0"/>
-              <a:t>6/14/2018</a:t>
+              <a:t>7/11/2018</a:t>
             </a:fld>
             <a:endParaRPr lang="en-US"/>
           </a:p>
@@ -1867,7 +1867,7 @@
           <a:p>
             <a:fld id="{D763724C-E7A2-4A6D-A4BD-CDB6C1C03172}" type="datetimeFigureOut">
               <a:rPr lang="en-US" smtClean="0"/>
-              <a:t>6/14/2018</a:t>
+              <a:t>7/11/2018</a:t>
             </a:fld>
             <a:endParaRPr lang="en-US"/>
           </a:p>
@@ -1957,7 +1957,7 @@
           <a:p>
             <a:fld id="{D763724C-E7A2-4A6D-A4BD-CDB6C1C03172}" type="datetimeFigureOut">
               <a:rPr lang="en-US" smtClean="0"/>
-              <a:t>6/14/2018</a:t>
+              <a:t>7/11/2018</a:t>
             </a:fld>
             <a:endParaRPr lang="en-US"/>
           </a:p>
@@ -2229,7 +2229,7 @@
           <a:p>
             <a:fld id="{D763724C-E7A2-4A6D-A4BD-CDB6C1C03172}" type="datetimeFigureOut">
               <a:rPr lang="en-US" smtClean="0"/>
-              <a:t>6/14/2018</a:t>
+              <a:t>7/11/2018</a:t>
             </a:fld>
             <a:endParaRPr lang="en-US"/>
           </a:p>
@@ -2481,7 +2481,7 @@
           <a:p>
             <a:fld id="{D763724C-E7A2-4A6D-A4BD-CDB6C1C03172}" type="datetimeFigureOut">
               <a:rPr lang="en-US" smtClean="0"/>
-              <a:t>6/14/2018</a:t>
+              <a:t>7/11/2018</a:t>
             </a:fld>
             <a:endParaRPr lang="en-US"/>
           </a:p>
@@ -2689,7 +2689,7 @@
           <a:p>
             <a:fld id="{D763724C-E7A2-4A6D-A4BD-CDB6C1C03172}" type="datetimeFigureOut">
               <a:rPr lang="en-US" smtClean="0"/>
-              <a:t>6/14/2018</a:t>
+              <a:t>7/11/2018</a:t>
             </a:fld>
             <a:endParaRPr lang="en-US" dirty="0"/>
           </a:p>
@@ -3201,7 +3201,7 @@
             <a:pPr algn="ctr"/>
             <a:r>
               <a:rPr lang="de-DE" sz="1200" dirty="0" smtClean="0"/>
-              <a:t>Kunden-verwaltung</a:t>
+              <a:t>Mitglieder-verwaltung</a:t>
             </a:r>
             <a:endParaRPr lang="de-DE" sz="1200" dirty="0"/>
           </a:p>
@@ -3357,7 +3357,7 @@
             <a:pPr algn="ctr"/>
             <a:r>
               <a:rPr lang="de-DE" sz="1200" dirty="0" smtClean="0"/>
-              <a:t>Zeitbuchungen</a:t>
+              <a:t>Terminal</a:t>
             </a:r>
             <a:endParaRPr lang="de-DE" sz="1200" dirty="0"/>
           </a:p>
@@ -3407,15 +3407,7 @@
                   <a:srgbClr val="8C3836"/>
                 </a:solidFill>
               </a:rPr>
-              <a:t>Erstellung </a:t>
-            </a:r>
-            <a:r>
-              <a:rPr lang="de-DE" sz="1000" dirty="0" smtClean="0">
-                <a:solidFill>
-                  <a:srgbClr val="8C3836"/>
-                </a:solidFill>
-              </a:rPr>
-              <a:t>Projekt-strukturplan</a:t>
+              <a:t>Erstellung Projekt-strukturplan</a:t>
             </a:r>
             <a:endParaRPr lang="de-DE" sz="1000" dirty="0">
               <a:solidFill>
@@ -3469,23 +3461,7 @@
                   <a:srgbClr val="8C3836"/>
                 </a:solidFill>
               </a:rPr>
-              <a:t>Erstellung </a:t>
-            </a:r>
-            <a:r>
-              <a:rPr lang="de-DE" sz="1000" dirty="0" smtClean="0">
-                <a:solidFill>
-                  <a:srgbClr val="8C3836"/>
-                </a:solidFill>
-              </a:rPr>
-              <a:t>Lasten- </a:t>
-            </a:r>
-            <a:r>
-              <a:rPr lang="de-DE" sz="1000" dirty="0" smtClean="0">
-                <a:solidFill>
-                  <a:srgbClr val="8C3836"/>
-                </a:solidFill>
-              </a:rPr>
-              <a:t>und Pflichtenheft</a:t>
+              <a:t>Erstellung Lasten- und Pflichtenheft</a:t>
             </a:r>
             <a:endParaRPr lang="de-DE" sz="1000" dirty="0">
               <a:solidFill>
@@ -3647,15 +3623,7 @@
                   <a:srgbClr val="385D8A"/>
                 </a:solidFill>
               </a:rPr>
-              <a:t>Benutzeroberfläche </a:t>
-            </a:r>
-            <a:r>
-              <a:rPr lang="de-DE" sz="1000" dirty="0" smtClean="0">
-                <a:solidFill>
-                  <a:srgbClr val="385D8A"/>
-                </a:solidFill>
-              </a:rPr>
-              <a:t>gestalten </a:t>
+              <a:t>Benutzeroberfläche gestalten </a:t>
             </a:r>
             <a:endParaRPr lang="de-DE" sz="1000" dirty="0">
               <a:solidFill>
@@ -3709,7 +3677,7 @@
                   <a:srgbClr val="385D8A"/>
                 </a:solidFill>
               </a:rPr>
-              <a:t>Startbildschirm „Kundeninfo“</a:t>
+              <a:t>Startbildschirm „Mitgliederinfo“</a:t>
             </a:r>
             <a:endParaRPr lang="de-DE" sz="1000" dirty="0">
               <a:solidFill>
@@ -3763,7 +3731,23 @@
                   <a:srgbClr val="385D8A"/>
                 </a:solidFill>
               </a:rPr>
-              <a:t>Kunde suchen, Bearbeiten, Löschen</a:t>
+              <a:t>Mitglied </a:t>
+            </a:r>
+            <a:r>
+              <a:rPr lang="de-DE" sz="1000" dirty="0" smtClean="0">
+                <a:solidFill>
+                  <a:srgbClr val="385D8A"/>
+                </a:solidFill>
+              </a:rPr>
+              <a:t>suchen, </a:t>
+            </a:r>
+            <a:r>
+              <a:rPr lang="de-DE" sz="1000" dirty="0" smtClean="0">
+                <a:solidFill>
+                  <a:srgbClr val="385D8A"/>
+                </a:solidFill>
+              </a:rPr>
+              <a:t>Löschen</a:t>
             </a:r>
             <a:endParaRPr lang="de-DE" sz="1000" dirty="0">
               <a:solidFill>
@@ -3817,7 +3801,7 @@
                   <a:srgbClr val="385D8A"/>
                 </a:solidFill>
               </a:rPr>
-              <a:t>Kunde hinzufügen</a:t>
+              <a:t>Mitglied hinzufügen</a:t>
             </a:r>
             <a:endParaRPr lang="de-DE" sz="1000" dirty="0">
               <a:solidFill>
@@ -3979,61 +3963,23 @@
                   <a:srgbClr val="71893F"/>
                 </a:solidFill>
               </a:rPr>
-              <a:t>Mitarbeiter suchen, Bearbeiten, Löschen</a:t>
-            </a:r>
-            <a:endParaRPr lang="de-DE" sz="1000" dirty="0">
-              <a:solidFill>
-                <a:srgbClr val="71893F"/>
-              </a:solidFill>
-            </a:endParaRPr>
-          </a:p>
-        </p:txBody>
-      </p:sp>
-      <p:sp>
-        <p:nvSpPr>
-          <p:cNvPr id="21" name="Rechteck 20"/>
-          <p:cNvSpPr/>
-          <p:nvPr/>
-        </p:nvSpPr>
-        <p:spPr>
-          <a:xfrm>
-            <a:off x="3072942" y="2984114"/>
-            <a:ext cx="1368000" cy="432048"/>
-          </a:xfrm>
-          <a:prstGeom prst="rect">
-            <a:avLst/>
-          </a:prstGeom>
-          <a:solidFill>
-            <a:schemeClr val="bg1"/>
-          </a:solidFill>
-        </p:spPr>
-        <p:style>
-          <a:lnRef idx="2">
-            <a:schemeClr val="accent3">
-              <a:shade val="50000"/>
-            </a:schemeClr>
-          </a:lnRef>
-          <a:fillRef idx="1">
-            <a:schemeClr val="accent3"/>
-          </a:fillRef>
-          <a:effectRef idx="0">
-            <a:schemeClr val="accent3"/>
-          </a:effectRef>
-          <a:fontRef idx="minor">
-            <a:schemeClr val="lt1"/>
-          </a:fontRef>
-        </p:style>
-        <p:txBody>
-          <a:bodyPr rtlCol="0" anchor="ctr"/>
-          <a:lstStyle/>
-          <a:p>
+              <a:t>Mitarbeiter suchen</a:t>
+            </a:r>
             <a:r>
               <a:rPr lang="de-DE" sz="1000" dirty="0" smtClean="0">
                 <a:solidFill>
                   <a:srgbClr val="71893F"/>
                 </a:solidFill>
               </a:rPr>
-              <a:t>Mitarbeiter hinzufügen</a:t>
+              <a:t>, </a:t>
+            </a:r>
+            <a:r>
+              <a:rPr lang="de-DE" sz="1000" dirty="0" smtClean="0">
+                <a:solidFill>
+                  <a:srgbClr val="71893F"/>
+                </a:solidFill>
+              </a:rPr>
+              <a:t>Löschen</a:t>
             </a:r>
             <a:endParaRPr lang="de-DE" sz="1000" dirty="0">
               <a:solidFill>
@@ -4195,7 +4141,31 @@
                   <a:srgbClr val="B66D31"/>
                 </a:solidFill>
               </a:rPr>
-              <a:t>Einzelansicht „Kurs“, Bearbeiten, Löschen</a:t>
+              <a:t>Einzelansicht „Kurs“, </a:t>
+            </a:r>
+            <a:r>
+              <a:rPr lang="de-DE" sz="1000" dirty="0" smtClean="0">
+                <a:solidFill>
+                  <a:srgbClr val="B66D31"/>
+                </a:solidFill>
+              </a:rPr>
+              <a:t>Anlegen</a:t>
+            </a:r>
+            <a:r>
+              <a:rPr lang="de-DE" sz="1000" dirty="0" smtClean="0">
+                <a:solidFill>
+                  <a:srgbClr val="B66D31"/>
+                </a:solidFill>
+              </a:rPr>
+              <a:t>, </a:t>
+            </a:r>
+            <a:r>
+              <a:rPr lang="de-DE" sz="1000" dirty="0" smtClean="0">
+                <a:solidFill>
+                  <a:srgbClr val="B66D31"/>
+                </a:solidFill>
+              </a:rPr>
+              <a:t>Löschen</a:t>
             </a:r>
             <a:endParaRPr lang="de-DE" sz="1000" dirty="0">
               <a:solidFill>
@@ -4686,60 +4656,6 @@
             <a:endParaRPr lang="de-DE" sz="1000" dirty="0">
               <a:solidFill>
                 <a:srgbClr val="8C3836"/>
-              </a:solidFill>
-            </a:endParaRPr>
-          </a:p>
-        </p:txBody>
-      </p:sp>
-      <p:sp>
-        <p:nvSpPr>
-          <p:cNvPr id="35" name="Rechteck 34"/>
-          <p:cNvSpPr/>
-          <p:nvPr/>
-        </p:nvSpPr>
-        <p:spPr>
-          <a:xfrm>
-            <a:off x="4582432" y="3554611"/>
-            <a:ext cx="1368000" cy="432048"/>
-          </a:xfrm>
-          <a:prstGeom prst="rect">
-            <a:avLst/>
-          </a:prstGeom>
-          <a:solidFill>
-            <a:schemeClr val="bg1"/>
-          </a:solidFill>
-        </p:spPr>
-        <p:style>
-          <a:lnRef idx="2">
-            <a:schemeClr val="accent6">
-              <a:shade val="50000"/>
-            </a:schemeClr>
-          </a:lnRef>
-          <a:fillRef idx="1">
-            <a:schemeClr val="accent6"/>
-          </a:fillRef>
-          <a:effectRef idx="0">
-            <a:schemeClr val="accent6"/>
-          </a:effectRef>
-          <a:fontRef idx="minor">
-            <a:schemeClr val="lt1"/>
-          </a:fontRef>
-        </p:style>
-        <p:txBody>
-          <a:bodyPr rtlCol="0" anchor="ctr"/>
-          <a:lstStyle/>
-          <a:p>
-            <a:r>
-              <a:rPr lang="de-DE" sz="1000" dirty="0" smtClean="0">
-                <a:solidFill>
-                  <a:srgbClr val="B66D31"/>
-                </a:solidFill>
-              </a:rPr>
-              <a:t>Kursplan drucken</a:t>
-            </a:r>
-            <a:endParaRPr lang="de-DE" sz="1000" dirty="0">
-              <a:solidFill>
-                <a:srgbClr val="B66D31"/>
               </a:solidFill>
             </a:endParaRPr>
           </a:p>
@@ -5498,13 +5414,13 @@
       </p:sp>
       <p:sp>
         <p:nvSpPr>
-          <p:cNvPr id="61" name="Textfeld 60"/>
+          <p:cNvPr id="62" name="Textfeld 61"/>
           <p:cNvSpPr txBox="1"/>
           <p:nvPr/>
         </p:nvSpPr>
         <p:spPr>
           <a:xfrm>
-            <a:off x="2997911" y="2807468"/>
+            <a:off x="4498524" y="1104810"/>
             <a:ext cx="418907" cy="215444"/>
           </a:xfrm>
           <a:prstGeom prst="rect">
@@ -5520,7 +5436,7 @@
           <a:p>
             <a:r>
               <a:rPr lang="de-DE" sz="800" dirty="0" smtClean="0"/>
-              <a:t>1.3.4</a:t>
+              <a:t>1.4.1</a:t>
             </a:r>
             <a:endParaRPr lang="de-DE" sz="800" dirty="0"/>
           </a:p>
@@ -5528,13 +5444,13 @@
       </p:sp>
       <p:sp>
         <p:nvSpPr>
-          <p:cNvPr id="62" name="Textfeld 61"/>
+          <p:cNvPr id="63" name="Textfeld 62"/>
           <p:cNvSpPr txBox="1"/>
           <p:nvPr/>
         </p:nvSpPr>
         <p:spPr>
           <a:xfrm>
-            <a:off x="4498524" y="1104810"/>
+            <a:off x="4498799" y="1665682"/>
             <a:ext cx="418907" cy="215444"/>
           </a:xfrm>
           <a:prstGeom prst="rect">
@@ -5550,7 +5466,7 @@
           <a:p>
             <a:r>
               <a:rPr lang="de-DE" sz="800" dirty="0" smtClean="0"/>
-              <a:t>1.4.1</a:t>
+              <a:t>1.4.2</a:t>
             </a:r>
             <a:endParaRPr lang="de-DE" sz="800" dirty="0"/>
           </a:p>
@@ -5558,13 +5474,13 @@
       </p:sp>
       <p:sp>
         <p:nvSpPr>
-          <p:cNvPr id="63" name="Textfeld 62"/>
+          <p:cNvPr id="64" name="Textfeld 63"/>
           <p:cNvSpPr txBox="1"/>
           <p:nvPr/>
         </p:nvSpPr>
         <p:spPr>
           <a:xfrm>
-            <a:off x="4498799" y="1665682"/>
+            <a:off x="4501352" y="2238171"/>
             <a:ext cx="418907" cy="215444"/>
           </a:xfrm>
           <a:prstGeom prst="rect">
@@ -5580,7 +5496,7 @@
           <a:p>
             <a:r>
               <a:rPr lang="de-DE" sz="800" dirty="0" smtClean="0"/>
-              <a:t>1.4.2</a:t>
+              <a:t>1.4.3</a:t>
             </a:r>
             <a:endParaRPr lang="de-DE" sz="800" dirty="0"/>
           </a:p>
@@ -5588,13 +5504,13 @@
       </p:sp>
       <p:sp>
         <p:nvSpPr>
-          <p:cNvPr id="64" name="Textfeld 63"/>
+          <p:cNvPr id="65" name="Textfeld 64"/>
           <p:cNvSpPr txBox="1"/>
           <p:nvPr/>
         </p:nvSpPr>
         <p:spPr>
           <a:xfrm>
-            <a:off x="4501352" y="2238171"/>
+            <a:off x="4502008" y="2806152"/>
             <a:ext cx="418907" cy="215444"/>
           </a:xfrm>
           <a:prstGeom prst="rect">
@@ -5610,67 +5526,7 @@
           <a:p>
             <a:r>
               <a:rPr lang="de-DE" sz="800" dirty="0" smtClean="0"/>
-              <a:t>1.4.3</a:t>
-            </a:r>
-            <a:endParaRPr lang="de-DE" sz="800" dirty="0"/>
-          </a:p>
-        </p:txBody>
-      </p:sp>
-      <p:sp>
-        <p:nvSpPr>
-          <p:cNvPr id="65" name="Textfeld 64"/>
-          <p:cNvSpPr txBox="1"/>
-          <p:nvPr/>
-        </p:nvSpPr>
-        <p:spPr>
-          <a:xfrm>
-            <a:off x="4502008" y="2806152"/>
-            <a:ext cx="418907" cy="215444"/>
-          </a:xfrm>
-          <a:prstGeom prst="rect">
-            <a:avLst/>
-          </a:prstGeom>
-          <a:noFill/>
-        </p:spPr>
-        <p:txBody>
-          <a:bodyPr wrap="square" rtlCol="0">
-            <a:spAutoFit/>
-          </a:bodyPr>
-          <a:lstStyle/>
-          <a:p>
-            <a:r>
-              <a:rPr lang="de-DE" sz="800" dirty="0" smtClean="0"/>
               <a:t>1.4.4</a:t>
-            </a:r>
-            <a:endParaRPr lang="de-DE" sz="800" dirty="0"/>
-          </a:p>
-        </p:txBody>
-      </p:sp>
-      <p:sp>
-        <p:nvSpPr>
-          <p:cNvPr id="66" name="Textfeld 65"/>
-          <p:cNvSpPr txBox="1"/>
-          <p:nvPr/>
-        </p:nvSpPr>
-        <p:spPr>
-          <a:xfrm>
-            <a:off x="4498524" y="3377965"/>
-            <a:ext cx="418907" cy="215444"/>
-          </a:xfrm>
-          <a:prstGeom prst="rect">
-            <a:avLst/>
-          </a:prstGeom>
-          <a:noFill/>
-        </p:spPr>
-        <p:txBody>
-          <a:bodyPr wrap="square" rtlCol="0">
-            <a:spAutoFit/>
-          </a:bodyPr>
-          <a:lstStyle/>
-          <a:p>
-            <a:r>
-              <a:rPr lang="de-DE" sz="800" dirty="0" smtClean="0"/>
-              <a:t>1.4.5</a:t>
             </a:r>
             <a:endParaRPr lang="de-DE" sz="800" dirty="0"/>
           </a:p>
@@ -6214,6 +6070,92 @@
             <a:r>
               <a:rPr lang="de-DE" sz="800" dirty="0" smtClean="0"/>
               <a:t>1.6.4</a:t>
+            </a:r>
+            <a:endParaRPr lang="de-DE" sz="800" dirty="0"/>
+          </a:p>
+        </p:txBody>
+      </p:sp>
+      <p:sp>
+        <p:nvSpPr>
+          <p:cNvPr id="84" name="Rechteck 83"/>
+          <p:cNvSpPr/>
+          <p:nvPr/>
+        </p:nvSpPr>
+        <p:spPr>
+          <a:xfrm>
+            <a:off x="7578253" y="3565098"/>
+            <a:ext cx="1368000" cy="432048"/>
+          </a:xfrm>
+          <a:prstGeom prst="rect">
+            <a:avLst/>
+          </a:prstGeom>
+          <a:solidFill>
+            <a:schemeClr val="bg1"/>
+          </a:solidFill>
+          <a:ln/>
+        </p:spPr>
+        <p:style>
+          <a:lnRef idx="2">
+            <a:schemeClr val="accent5">
+              <a:shade val="50000"/>
+            </a:schemeClr>
+          </a:lnRef>
+          <a:fillRef idx="1">
+            <a:schemeClr val="accent5"/>
+          </a:fillRef>
+          <a:effectRef idx="0">
+            <a:schemeClr val="accent5"/>
+          </a:effectRef>
+          <a:fontRef idx="minor">
+            <a:schemeClr val="lt1"/>
+          </a:fontRef>
+        </p:style>
+        <p:txBody>
+          <a:bodyPr rtlCol="0" anchor="ctr"/>
+          <a:lstStyle/>
+          <a:p>
+            <a:pPr algn="ctr"/>
+            <a:r>
+              <a:rPr lang="de-DE" sz="1000" dirty="0" smtClean="0">
+                <a:solidFill>
+                  <a:srgbClr val="177D91"/>
+                </a:solidFill>
+              </a:rPr>
+              <a:t>Mitarbeiter registrieren/ anlegen</a:t>
+            </a:r>
+            <a:endParaRPr lang="de-DE" sz="1000" dirty="0">
+              <a:solidFill>
+                <a:srgbClr val="177D91"/>
+              </a:solidFill>
+            </a:endParaRPr>
+          </a:p>
+        </p:txBody>
+      </p:sp>
+      <p:sp>
+        <p:nvSpPr>
+          <p:cNvPr id="85" name="Textfeld 84"/>
+          <p:cNvSpPr txBox="1"/>
+          <p:nvPr/>
+        </p:nvSpPr>
+        <p:spPr>
+          <a:xfrm>
+            <a:off x="7478278" y="3392088"/>
+            <a:ext cx="418907" cy="215444"/>
+          </a:xfrm>
+          <a:prstGeom prst="rect">
+            <a:avLst/>
+          </a:prstGeom>
+          <a:noFill/>
+        </p:spPr>
+        <p:txBody>
+          <a:bodyPr wrap="square" rtlCol="0">
+            <a:spAutoFit/>
+          </a:bodyPr>
+          <a:lstStyle/>
+          <a:p>
+            <a:r>
+              <a:rPr lang="de-DE" sz="800" dirty="0" smtClean="0"/>
+              <a:t>1.6.5</a:t>
             </a:r>
             <a:endParaRPr lang="de-DE" sz="800" dirty="0"/>
           </a:p>
